--- a/Portfolio-slides/Neural Networks - Physics applications.pptx
+++ b/Portfolio-slides/Neural Networks - Physics applications.pptx
@@ -6,6 +6,10 @@
   </p:sldMasterIdLst>
   <p:sldIdLst>
     <p:sldId id="256" r:id="rId2"/>
+    <p:sldId id="257" r:id="rId3"/>
+    <p:sldId id="258" r:id="rId4"/>
+    <p:sldId id="260" r:id="rId5"/>
+    <p:sldId id="259" r:id="rId6"/>
   </p:sldIdLst>
   <p:sldSz cx="12192000" cy="6858000"/>
   <p:notesSz cx="6858000" cy="9144000"/>
@@ -104,6 +108,11 @@
       </a:defRPr>
     </a:lvl9pPr>
   </p:defaultTextStyle>
+  <p:extLst>
+    <p:ext uri="{EFAFB233-063F-42B5-8137-9DF3F51BA10A}">
+      <p15:sldGuideLst xmlns:p15="http://schemas.microsoft.com/office/powerpoint/2012/main"/>
+    </p:ext>
+  </p:extLst>
 </p:presentation>
 </file>
 
@@ -254,7 +263,7 @@
           <a:p>
             <a:fld id="{D9155D8E-4EB3-4EFB-80E8-5D1EE5D2786F}" type="datetimeFigureOut">
               <a:rPr lang="da-DK" smtClean="0"/>
-              <a:t>02-01-2025</a:t>
+              <a:t>03-01-2025</a:t>
             </a:fld>
             <a:endParaRPr lang="da-DK"/>
           </a:p>
@@ -452,7 +461,7 @@
           <a:p>
             <a:fld id="{D9155D8E-4EB3-4EFB-80E8-5D1EE5D2786F}" type="datetimeFigureOut">
               <a:rPr lang="da-DK" smtClean="0"/>
-              <a:t>02-01-2025</a:t>
+              <a:t>03-01-2025</a:t>
             </a:fld>
             <a:endParaRPr lang="da-DK"/>
           </a:p>
@@ -660,7 +669,7 @@
           <a:p>
             <a:fld id="{D9155D8E-4EB3-4EFB-80E8-5D1EE5D2786F}" type="datetimeFigureOut">
               <a:rPr lang="da-DK" smtClean="0"/>
-              <a:t>02-01-2025</a:t>
+              <a:t>03-01-2025</a:t>
             </a:fld>
             <a:endParaRPr lang="da-DK"/>
           </a:p>
@@ -858,7 +867,7 @@
           <a:p>
             <a:fld id="{D9155D8E-4EB3-4EFB-80E8-5D1EE5D2786F}" type="datetimeFigureOut">
               <a:rPr lang="da-DK" smtClean="0"/>
-              <a:t>02-01-2025</a:t>
+              <a:t>03-01-2025</a:t>
             </a:fld>
             <a:endParaRPr lang="da-DK"/>
           </a:p>
@@ -1133,7 +1142,7 @@
           <a:p>
             <a:fld id="{D9155D8E-4EB3-4EFB-80E8-5D1EE5D2786F}" type="datetimeFigureOut">
               <a:rPr lang="da-DK" smtClean="0"/>
-              <a:t>02-01-2025</a:t>
+              <a:t>03-01-2025</a:t>
             </a:fld>
             <a:endParaRPr lang="da-DK"/>
           </a:p>
@@ -1398,7 +1407,7 @@
           <a:p>
             <a:fld id="{D9155D8E-4EB3-4EFB-80E8-5D1EE5D2786F}" type="datetimeFigureOut">
               <a:rPr lang="da-DK" smtClean="0"/>
-              <a:t>02-01-2025</a:t>
+              <a:t>03-01-2025</a:t>
             </a:fld>
             <a:endParaRPr lang="da-DK"/>
           </a:p>
@@ -1810,7 +1819,7 @@
           <a:p>
             <a:fld id="{D9155D8E-4EB3-4EFB-80E8-5D1EE5D2786F}" type="datetimeFigureOut">
               <a:rPr lang="da-DK" smtClean="0"/>
-              <a:t>02-01-2025</a:t>
+              <a:t>03-01-2025</a:t>
             </a:fld>
             <a:endParaRPr lang="da-DK"/>
           </a:p>
@@ -1951,7 +1960,7 @@
           <a:p>
             <a:fld id="{D9155D8E-4EB3-4EFB-80E8-5D1EE5D2786F}" type="datetimeFigureOut">
               <a:rPr lang="da-DK" smtClean="0"/>
-              <a:t>02-01-2025</a:t>
+              <a:t>03-01-2025</a:t>
             </a:fld>
             <a:endParaRPr lang="da-DK"/>
           </a:p>
@@ -2064,7 +2073,7 @@
           <a:p>
             <a:fld id="{D9155D8E-4EB3-4EFB-80E8-5D1EE5D2786F}" type="datetimeFigureOut">
               <a:rPr lang="da-DK" smtClean="0"/>
-              <a:t>02-01-2025</a:t>
+              <a:t>03-01-2025</a:t>
             </a:fld>
             <a:endParaRPr lang="da-DK"/>
           </a:p>
@@ -2375,7 +2384,7 @@
           <a:p>
             <a:fld id="{D9155D8E-4EB3-4EFB-80E8-5D1EE5D2786F}" type="datetimeFigureOut">
               <a:rPr lang="da-DK" smtClean="0"/>
-              <a:t>02-01-2025</a:t>
+              <a:t>03-01-2025</a:t>
             </a:fld>
             <a:endParaRPr lang="da-DK"/>
           </a:p>
@@ -2663,7 +2672,7 @@
           <a:p>
             <a:fld id="{D9155D8E-4EB3-4EFB-80E8-5D1EE5D2786F}" type="datetimeFigureOut">
               <a:rPr lang="da-DK" smtClean="0"/>
-              <a:t>02-01-2025</a:t>
+              <a:t>03-01-2025</a:t>
             </a:fld>
             <a:endParaRPr lang="da-DK"/>
           </a:p>
@@ -2904,7 +2913,7 @@
           <a:p>
             <a:fld id="{D9155D8E-4EB3-4EFB-80E8-5D1EE5D2786F}" type="datetimeFigureOut">
               <a:rPr lang="da-DK" smtClean="0"/>
-              <a:t>02-01-2025</a:t>
+              <a:t>03-01-2025</a:t>
             </a:fld>
             <a:endParaRPr lang="da-DK"/>
           </a:p>
@@ -3342,7 +3351,27 @@
           <a:bodyPr/>
           <a:lstStyle/>
           <a:p>
-            <a:endParaRPr lang="da-DK"/>
+            <a:r>
+              <a:rPr lang="da-DK" dirty="0">
+                <a:latin typeface="Times New Roman" panose="02020603050405020304" pitchFamily="18" charset="0"/>
+                <a:cs typeface="Times New Roman" panose="02020603050405020304" pitchFamily="18" charset="0"/>
+              </a:rPr>
+              <a:t>Neural Networks: </a:t>
+            </a:r>
+            <a:r>
+              <a:rPr lang="da-DK" dirty="0" err="1">
+                <a:latin typeface="Times New Roman" panose="02020603050405020304" pitchFamily="18" charset="0"/>
+                <a:cs typeface="Times New Roman" panose="02020603050405020304" pitchFamily="18" charset="0"/>
+              </a:rPr>
+              <a:t>Physics</a:t>
+            </a:r>
+            <a:r>
+              <a:rPr lang="da-DK" dirty="0">
+                <a:latin typeface="Times New Roman" panose="02020603050405020304" pitchFamily="18" charset="0"/>
+                <a:cs typeface="Times New Roman" panose="02020603050405020304" pitchFamily="18" charset="0"/>
+              </a:rPr>
+              <a:t> Applications</a:t>
+            </a:r>
           </a:p>
         </p:txBody>
       </p:sp>
@@ -3375,6 +3404,762 @@
     <p:extLst>
       <p:ext uri="{BB962C8B-B14F-4D97-AF65-F5344CB8AC3E}">
         <p14:creationId xmlns:p14="http://schemas.microsoft.com/office/powerpoint/2010/main" val="2615660626"/>
+      </p:ext>
+    </p:extLst>
+  </p:cSld>
+  <p:clrMapOvr>
+    <a:masterClrMapping/>
+  </p:clrMapOvr>
+</p:sld>
+</file>
+
+<file path=ppt/slides/slide2.xml><?xml version="1.0" encoding="utf-8"?>
+<p:sld xmlns:a="http://schemas.openxmlformats.org/drawingml/2006/main" xmlns:r="http://schemas.openxmlformats.org/officeDocument/2006/relationships" xmlns:p="http://schemas.openxmlformats.org/presentationml/2006/main">
+  <p:cSld>
+    <p:spTree>
+      <p:nvGrpSpPr>
+        <p:cNvPr id="1" name=""/>
+        <p:cNvGrpSpPr/>
+        <p:nvPr/>
+      </p:nvGrpSpPr>
+      <p:grpSpPr>
+        <a:xfrm>
+          <a:off x="0" y="0"/>
+          <a:ext cx="0" cy="0"/>
+          <a:chOff x="0" y="0"/>
+          <a:chExt cx="0" cy="0"/>
+        </a:xfrm>
+      </p:grpSpPr>
+      <p:sp>
+        <p:nvSpPr>
+          <p:cNvPr id="2" name="Titel 1">
+            <a:extLst>
+              <a:ext uri="{FF2B5EF4-FFF2-40B4-BE49-F238E27FC236}">
+                <a16:creationId xmlns:a16="http://schemas.microsoft.com/office/drawing/2014/main" id="{2AEB14D0-89A6-8891-C162-CA824F788049}"/>
+              </a:ext>
+            </a:extLst>
+          </p:cNvPr>
+          <p:cNvSpPr>
+            <a:spLocks noGrp="1"/>
+          </p:cNvSpPr>
+          <p:nvPr>
+            <p:ph type="title"/>
+          </p:nvPr>
+        </p:nvSpPr>
+        <p:spPr/>
+        <p:txBody>
+          <a:bodyPr/>
+          <a:lstStyle/>
+          <a:p>
+            <a:r>
+              <a:rPr lang="da-DK" dirty="0" err="1">
+                <a:latin typeface="Times New Roman" panose="02020603050405020304" pitchFamily="18" charset="0"/>
+                <a:cs typeface="Times New Roman" panose="02020603050405020304" pitchFamily="18" charset="0"/>
+              </a:rPr>
+              <a:t>Outline</a:t>
+            </a:r>
+            <a:endParaRPr lang="da-DK" dirty="0">
+              <a:latin typeface="Times New Roman" panose="02020603050405020304" pitchFamily="18" charset="0"/>
+              <a:cs typeface="Times New Roman" panose="02020603050405020304" pitchFamily="18" charset="0"/>
+            </a:endParaRPr>
+          </a:p>
+        </p:txBody>
+      </p:sp>
+      <p:sp>
+        <p:nvSpPr>
+          <p:cNvPr id="3" name="Pladsholder til indhold 2">
+            <a:extLst>
+              <a:ext uri="{FF2B5EF4-FFF2-40B4-BE49-F238E27FC236}">
+                <a16:creationId xmlns:a16="http://schemas.microsoft.com/office/drawing/2014/main" id="{E8D17BB7-5999-12BC-BAF9-A28B1A95A044}"/>
+              </a:ext>
+            </a:extLst>
+          </p:cNvPr>
+          <p:cNvSpPr>
+            <a:spLocks noGrp="1"/>
+          </p:cNvSpPr>
+          <p:nvPr>
+            <p:ph idx="1"/>
+          </p:nvPr>
+        </p:nvSpPr>
+        <p:spPr/>
+        <p:txBody>
+          <a:bodyPr/>
+          <a:lstStyle/>
+          <a:p>
+            <a:r>
+              <a:rPr lang="da-DK" dirty="0" err="1">
+                <a:latin typeface="Times New Roman" panose="02020603050405020304" pitchFamily="18" charset="0"/>
+                <a:cs typeface="Times New Roman" panose="02020603050405020304" pitchFamily="18" charset="0"/>
+              </a:rPr>
+              <a:t>Why</a:t>
+            </a:r>
+            <a:r>
+              <a:rPr lang="da-DK" dirty="0">
+                <a:latin typeface="Times New Roman" panose="02020603050405020304" pitchFamily="18" charset="0"/>
+                <a:cs typeface="Times New Roman" panose="02020603050405020304" pitchFamily="18" charset="0"/>
+              </a:rPr>
+              <a:t> </a:t>
+            </a:r>
+            <a:r>
+              <a:rPr lang="da-DK" dirty="0" err="1">
+                <a:latin typeface="Times New Roman" panose="02020603050405020304" pitchFamily="18" charset="0"/>
+                <a:cs typeface="Times New Roman" panose="02020603050405020304" pitchFamily="18" charset="0"/>
+              </a:rPr>
+              <a:t>are</a:t>
+            </a:r>
+            <a:r>
+              <a:rPr lang="da-DK" dirty="0">
+                <a:latin typeface="Times New Roman" panose="02020603050405020304" pitchFamily="18" charset="0"/>
+                <a:cs typeface="Times New Roman" panose="02020603050405020304" pitchFamily="18" charset="0"/>
+              </a:rPr>
+              <a:t> </a:t>
+            </a:r>
+            <a:r>
+              <a:rPr lang="da-DK" dirty="0" err="1">
+                <a:latin typeface="Times New Roman" panose="02020603050405020304" pitchFamily="18" charset="0"/>
+                <a:cs typeface="Times New Roman" panose="02020603050405020304" pitchFamily="18" charset="0"/>
+              </a:rPr>
+              <a:t>NN’s</a:t>
+            </a:r>
+            <a:r>
+              <a:rPr lang="da-DK" dirty="0">
+                <a:latin typeface="Times New Roman" panose="02020603050405020304" pitchFamily="18" charset="0"/>
+                <a:cs typeface="Times New Roman" panose="02020603050405020304" pitchFamily="18" charset="0"/>
+              </a:rPr>
+              <a:t> so </a:t>
+            </a:r>
+            <a:r>
+              <a:rPr lang="da-DK" dirty="0" err="1">
+                <a:latin typeface="Times New Roman" panose="02020603050405020304" pitchFamily="18" charset="0"/>
+                <a:cs typeface="Times New Roman" panose="02020603050405020304" pitchFamily="18" charset="0"/>
+              </a:rPr>
+              <a:t>powerful</a:t>
+            </a:r>
+            <a:r>
+              <a:rPr lang="da-DK" dirty="0">
+                <a:latin typeface="Times New Roman" panose="02020603050405020304" pitchFamily="18" charset="0"/>
+                <a:cs typeface="Times New Roman" panose="02020603050405020304" pitchFamily="18" charset="0"/>
+              </a:rPr>
+              <a:t>?</a:t>
+            </a:r>
+          </a:p>
+          <a:p>
+            <a:r>
+              <a:rPr lang="da-DK" dirty="0" err="1">
+                <a:latin typeface="Times New Roman" panose="02020603050405020304" pitchFamily="18" charset="0"/>
+                <a:cs typeface="Times New Roman" panose="02020603050405020304" pitchFamily="18" charset="0"/>
+              </a:rPr>
+              <a:t>What</a:t>
+            </a:r>
+            <a:r>
+              <a:rPr lang="da-DK" dirty="0">
+                <a:latin typeface="Times New Roman" panose="02020603050405020304" pitchFamily="18" charset="0"/>
+                <a:cs typeface="Times New Roman" panose="02020603050405020304" pitchFamily="18" charset="0"/>
+              </a:rPr>
+              <a:t> </a:t>
+            </a:r>
+          </a:p>
+          <a:p>
+            <a:endParaRPr lang="da-DK" dirty="0"/>
+          </a:p>
+        </p:txBody>
+      </p:sp>
+    </p:spTree>
+    <p:extLst>
+      <p:ext uri="{BB962C8B-B14F-4D97-AF65-F5344CB8AC3E}">
+        <p14:creationId xmlns:p14="http://schemas.microsoft.com/office/powerpoint/2010/main" val="3885212472"/>
+      </p:ext>
+    </p:extLst>
+  </p:cSld>
+  <p:clrMapOvr>
+    <a:masterClrMapping/>
+  </p:clrMapOvr>
+</p:sld>
+</file>
+
+<file path=ppt/slides/slide3.xml><?xml version="1.0" encoding="utf-8"?>
+<p:sld xmlns:a="http://schemas.openxmlformats.org/drawingml/2006/main" xmlns:r="http://schemas.openxmlformats.org/officeDocument/2006/relationships" xmlns:p="http://schemas.openxmlformats.org/presentationml/2006/main">
+  <p:cSld>
+    <p:spTree>
+      <p:nvGrpSpPr>
+        <p:cNvPr id="1" name=""/>
+        <p:cNvGrpSpPr/>
+        <p:nvPr/>
+      </p:nvGrpSpPr>
+      <p:grpSpPr>
+        <a:xfrm>
+          <a:off x="0" y="0"/>
+          <a:ext cx="0" cy="0"/>
+          <a:chOff x="0" y="0"/>
+          <a:chExt cx="0" cy="0"/>
+        </a:xfrm>
+      </p:grpSpPr>
+      <p:sp>
+        <p:nvSpPr>
+          <p:cNvPr id="2" name="Titel 1">
+            <a:extLst>
+              <a:ext uri="{FF2B5EF4-FFF2-40B4-BE49-F238E27FC236}">
+                <a16:creationId xmlns:a16="http://schemas.microsoft.com/office/drawing/2014/main" id="{F5ECAC37-B519-7221-0B14-7165102552EB}"/>
+              </a:ext>
+            </a:extLst>
+          </p:cNvPr>
+          <p:cNvSpPr>
+            <a:spLocks noGrp="1"/>
+          </p:cNvSpPr>
+          <p:nvPr>
+            <p:ph type="title"/>
+          </p:nvPr>
+        </p:nvSpPr>
+        <p:spPr/>
+        <p:txBody>
+          <a:bodyPr/>
+          <a:lstStyle/>
+          <a:p>
+            <a:r>
+              <a:rPr lang="da-DK" dirty="0" err="1">
+                <a:latin typeface="Times New Roman" panose="02020603050405020304" pitchFamily="18" charset="0"/>
+                <a:cs typeface="Times New Roman" panose="02020603050405020304" pitchFamily="18" charset="0"/>
+              </a:rPr>
+              <a:t>Why</a:t>
+            </a:r>
+            <a:r>
+              <a:rPr lang="da-DK" dirty="0">
+                <a:latin typeface="Times New Roman" panose="02020603050405020304" pitchFamily="18" charset="0"/>
+                <a:cs typeface="Times New Roman" panose="02020603050405020304" pitchFamily="18" charset="0"/>
+              </a:rPr>
+              <a:t> </a:t>
+            </a:r>
+            <a:r>
+              <a:rPr lang="da-DK" dirty="0" err="1">
+                <a:latin typeface="Times New Roman" panose="02020603050405020304" pitchFamily="18" charset="0"/>
+                <a:cs typeface="Times New Roman" panose="02020603050405020304" pitchFamily="18" charset="0"/>
+              </a:rPr>
+              <a:t>are</a:t>
+            </a:r>
+            <a:r>
+              <a:rPr lang="da-DK" dirty="0">
+                <a:latin typeface="Times New Roman" panose="02020603050405020304" pitchFamily="18" charset="0"/>
+                <a:cs typeface="Times New Roman" panose="02020603050405020304" pitchFamily="18" charset="0"/>
+              </a:rPr>
+              <a:t> </a:t>
+            </a:r>
+            <a:r>
+              <a:rPr lang="da-DK" dirty="0" err="1">
+                <a:latin typeface="Times New Roman" panose="02020603050405020304" pitchFamily="18" charset="0"/>
+                <a:cs typeface="Times New Roman" panose="02020603050405020304" pitchFamily="18" charset="0"/>
+              </a:rPr>
+              <a:t>they</a:t>
+            </a:r>
+            <a:r>
+              <a:rPr lang="da-DK" dirty="0">
+                <a:latin typeface="Times New Roman" panose="02020603050405020304" pitchFamily="18" charset="0"/>
+                <a:cs typeface="Times New Roman" panose="02020603050405020304" pitchFamily="18" charset="0"/>
+              </a:rPr>
+              <a:t> so </a:t>
+            </a:r>
+            <a:r>
+              <a:rPr lang="da-DK" dirty="0" err="1">
+                <a:latin typeface="Times New Roman" panose="02020603050405020304" pitchFamily="18" charset="0"/>
+                <a:cs typeface="Times New Roman" panose="02020603050405020304" pitchFamily="18" charset="0"/>
+              </a:rPr>
+              <a:t>powerful</a:t>
+            </a:r>
+            <a:r>
+              <a:rPr lang="da-DK" dirty="0">
+                <a:latin typeface="Times New Roman" panose="02020603050405020304" pitchFamily="18" charset="0"/>
+                <a:cs typeface="Times New Roman" panose="02020603050405020304" pitchFamily="18" charset="0"/>
+              </a:rPr>
+              <a:t>?</a:t>
+            </a:r>
+          </a:p>
+        </p:txBody>
+      </p:sp>
+      <p:sp>
+        <p:nvSpPr>
+          <p:cNvPr id="3" name="Pladsholder til indhold 2">
+            <a:extLst>
+              <a:ext uri="{FF2B5EF4-FFF2-40B4-BE49-F238E27FC236}">
+                <a16:creationId xmlns:a16="http://schemas.microsoft.com/office/drawing/2014/main" id="{799BC0B0-6134-444A-44FE-0A71FF998C8F}"/>
+              </a:ext>
+            </a:extLst>
+          </p:cNvPr>
+          <p:cNvSpPr>
+            <a:spLocks noGrp="1"/>
+          </p:cNvSpPr>
+          <p:nvPr>
+            <p:ph idx="1"/>
+          </p:nvPr>
+        </p:nvSpPr>
+        <p:spPr/>
+        <p:txBody>
+          <a:bodyPr/>
+          <a:lstStyle/>
+          <a:p>
+            <a:r>
+              <a:rPr lang="da-DK" dirty="0">
+                <a:latin typeface="Times New Roman" panose="02020603050405020304" pitchFamily="18" charset="0"/>
+                <a:cs typeface="Times New Roman" panose="02020603050405020304" pitchFamily="18" charset="0"/>
+              </a:rPr>
+              <a:t>Universal </a:t>
+            </a:r>
+            <a:r>
+              <a:rPr lang="da-DK" dirty="0" err="1">
+                <a:latin typeface="Times New Roman" panose="02020603050405020304" pitchFamily="18" charset="0"/>
+                <a:cs typeface="Times New Roman" panose="02020603050405020304" pitchFamily="18" charset="0"/>
+              </a:rPr>
+              <a:t>function</a:t>
+            </a:r>
+            <a:r>
+              <a:rPr lang="da-DK" dirty="0">
+                <a:latin typeface="Times New Roman" panose="02020603050405020304" pitchFamily="18" charset="0"/>
+                <a:cs typeface="Times New Roman" panose="02020603050405020304" pitchFamily="18" charset="0"/>
+              </a:rPr>
+              <a:t> </a:t>
+            </a:r>
+            <a:r>
+              <a:rPr lang="da-DK" dirty="0" err="1">
+                <a:latin typeface="Times New Roman" panose="02020603050405020304" pitchFamily="18" charset="0"/>
+                <a:cs typeface="Times New Roman" panose="02020603050405020304" pitchFamily="18" charset="0"/>
+              </a:rPr>
+              <a:t>approximator</a:t>
+            </a:r>
+            <a:endParaRPr lang="da-DK" dirty="0">
+              <a:latin typeface="Times New Roman" panose="02020603050405020304" pitchFamily="18" charset="0"/>
+              <a:cs typeface="Times New Roman" panose="02020603050405020304" pitchFamily="18" charset="0"/>
+            </a:endParaRPr>
+          </a:p>
+          <a:p>
+            <a:r>
+              <a:rPr lang="da-DK" dirty="0" err="1">
+                <a:latin typeface="Times New Roman" panose="02020603050405020304" pitchFamily="18" charset="0"/>
+                <a:cs typeface="Times New Roman" panose="02020603050405020304" pitchFamily="18" charset="0"/>
+              </a:rPr>
+              <a:t>What</a:t>
+            </a:r>
+            <a:r>
+              <a:rPr lang="da-DK" dirty="0">
+                <a:latin typeface="Times New Roman" panose="02020603050405020304" pitchFamily="18" charset="0"/>
+                <a:cs typeface="Times New Roman" panose="02020603050405020304" pitchFamily="18" charset="0"/>
+              </a:rPr>
+              <a:t> </a:t>
+            </a:r>
+            <a:r>
+              <a:rPr lang="da-DK" dirty="0" err="1">
+                <a:latin typeface="Times New Roman" panose="02020603050405020304" pitchFamily="18" charset="0"/>
+                <a:cs typeface="Times New Roman" panose="02020603050405020304" pitchFamily="18" charset="0"/>
+              </a:rPr>
+              <a:t>about</a:t>
+            </a:r>
+            <a:r>
+              <a:rPr lang="da-DK" dirty="0">
+                <a:latin typeface="Times New Roman" panose="02020603050405020304" pitchFamily="18" charset="0"/>
+                <a:cs typeface="Times New Roman" panose="02020603050405020304" pitchFamily="18" charset="0"/>
+              </a:rPr>
+              <a:t> </a:t>
+            </a:r>
+            <a:r>
+              <a:rPr lang="da-DK" dirty="0" err="1">
+                <a:latin typeface="Times New Roman" panose="02020603050405020304" pitchFamily="18" charset="0"/>
+                <a:cs typeface="Times New Roman" panose="02020603050405020304" pitchFamily="18" charset="0"/>
+              </a:rPr>
+              <a:t>uncertainties</a:t>
+            </a:r>
+            <a:r>
+              <a:rPr lang="da-DK" dirty="0">
+                <a:latin typeface="Times New Roman" panose="02020603050405020304" pitchFamily="18" charset="0"/>
+                <a:cs typeface="Times New Roman" panose="02020603050405020304" pitchFamily="18" charset="0"/>
+              </a:rPr>
+              <a:t>?</a:t>
+            </a:r>
+          </a:p>
+          <a:p>
+            <a:r>
+              <a:rPr lang="da-DK" dirty="0" err="1">
+                <a:latin typeface="Times New Roman" panose="02020603050405020304" pitchFamily="18" charset="0"/>
+                <a:cs typeface="Times New Roman" panose="02020603050405020304" pitchFamily="18" charset="0"/>
+              </a:rPr>
+              <a:t>What</a:t>
+            </a:r>
+            <a:r>
+              <a:rPr lang="da-DK" dirty="0">
+                <a:latin typeface="Times New Roman" panose="02020603050405020304" pitchFamily="18" charset="0"/>
+                <a:cs typeface="Times New Roman" panose="02020603050405020304" pitchFamily="18" charset="0"/>
+              </a:rPr>
+              <a:t> </a:t>
+            </a:r>
+            <a:r>
+              <a:rPr lang="da-DK" dirty="0" err="1">
+                <a:latin typeface="Times New Roman" panose="02020603050405020304" pitchFamily="18" charset="0"/>
+                <a:cs typeface="Times New Roman" panose="02020603050405020304" pitchFamily="18" charset="0"/>
+              </a:rPr>
+              <a:t>about</a:t>
+            </a:r>
+            <a:r>
+              <a:rPr lang="da-DK" dirty="0">
+                <a:latin typeface="Times New Roman" panose="02020603050405020304" pitchFamily="18" charset="0"/>
+                <a:cs typeface="Times New Roman" panose="02020603050405020304" pitchFamily="18" charset="0"/>
+              </a:rPr>
+              <a:t> the </a:t>
+            </a:r>
+            <a:r>
+              <a:rPr lang="da-DK" dirty="0" err="1">
+                <a:latin typeface="Times New Roman" panose="02020603050405020304" pitchFamily="18" charset="0"/>
+                <a:cs typeface="Times New Roman" panose="02020603050405020304" pitchFamily="18" charset="0"/>
+              </a:rPr>
+              <a:t>physics</a:t>
+            </a:r>
+            <a:r>
+              <a:rPr lang="da-DK" dirty="0">
+                <a:latin typeface="Times New Roman" panose="02020603050405020304" pitchFamily="18" charset="0"/>
+                <a:cs typeface="Times New Roman" panose="02020603050405020304" pitchFamily="18" charset="0"/>
+              </a:rPr>
+              <a:t>?</a:t>
+            </a:r>
+          </a:p>
+          <a:p>
+            <a:pPr lvl="1"/>
+            <a:r>
+              <a:rPr lang="da-DK" dirty="0" err="1">
+                <a:latin typeface="Times New Roman" panose="02020603050405020304" pitchFamily="18" charset="0"/>
+                <a:cs typeface="Times New Roman" panose="02020603050405020304" pitchFamily="18" charset="0"/>
+              </a:rPr>
+              <a:t>Particle</a:t>
+            </a:r>
+            <a:r>
+              <a:rPr lang="da-DK" dirty="0">
+                <a:latin typeface="Times New Roman" panose="02020603050405020304" pitchFamily="18" charset="0"/>
+                <a:cs typeface="Times New Roman" panose="02020603050405020304" pitchFamily="18" charset="0"/>
+              </a:rPr>
+              <a:t> </a:t>
+            </a:r>
+            <a:r>
+              <a:rPr lang="da-DK" dirty="0" err="1">
+                <a:latin typeface="Times New Roman" panose="02020603050405020304" pitchFamily="18" charset="0"/>
+                <a:cs typeface="Times New Roman" panose="02020603050405020304" pitchFamily="18" charset="0"/>
+              </a:rPr>
+              <a:t>physics</a:t>
+            </a:r>
+            <a:endParaRPr lang="da-DK" dirty="0">
+              <a:latin typeface="Times New Roman" panose="02020603050405020304" pitchFamily="18" charset="0"/>
+              <a:cs typeface="Times New Roman" panose="02020603050405020304" pitchFamily="18" charset="0"/>
+            </a:endParaRPr>
+          </a:p>
+          <a:p>
+            <a:r>
+              <a:rPr lang="da-DK" dirty="0">
+                <a:latin typeface="Times New Roman" panose="02020603050405020304" pitchFamily="18" charset="0"/>
+                <a:cs typeface="Times New Roman" panose="02020603050405020304" pitchFamily="18" charset="0"/>
+              </a:rPr>
+              <a:t>Massive datasets</a:t>
+            </a:r>
+          </a:p>
+          <a:p>
+            <a:r>
+              <a:rPr lang="da-DK" dirty="0" err="1">
+                <a:latin typeface="Times New Roman" panose="02020603050405020304" pitchFamily="18" charset="0"/>
+                <a:cs typeface="Times New Roman" panose="02020603050405020304" pitchFamily="18" charset="0"/>
+              </a:rPr>
+              <a:t>Expensive</a:t>
+            </a:r>
+            <a:r>
+              <a:rPr lang="da-DK" dirty="0">
+                <a:latin typeface="Times New Roman" panose="02020603050405020304" pitchFamily="18" charset="0"/>
+                <a:cs typeface="Times New Roman" panose="02020603050405020304" pitchFamily="18" charset="0"/>
+              </a:rPr>
+              <a:t> </a:t>
+            </a:r>
+            <a:r>
+              <a:rPr lang="da-DK" dirty="0" err="1">
+                <a:latin typeface="Times New Roman" panose="02020603050405020304" pitchFamily="18" charset="0"/>
+                <a:cs typeface="Times New Roman" panose="02020603050405020304" pitchFamily="18" charset="0"/>
+              </a:rPr>
+              <a:t>numerical</a:t>
+            </a:r>
+            <a:r>
+              <a:rPr lang="da-DK" dirty="0">
+                <a:latin typeface="Times New Roman" panose="02020603050405020304" pitchFamily="18" charset="0"/>
+                <a:cs typeface="Times New Roman" panose="02020603050405020304" pitchFamily="18" charset="0"/>
+              </a:rPr>
+              <a:t> </a:t>
+            </a:r>
+            <a:r>
+              <a:rPr lang="da-DK" dirty="0" err="1">
+                <a:latin typeface="Times New Roman" panose="02020603050405020304" pitchFamily="18" charset="0"/>
+                <a:cs typeface="Times New Roman" panose="02020603050405020304" pitchFamily="18" charset="0"/>
+              </a:rPr>
+              <a:t>calculations</a:t>
+            </a:r>
+            <a:endParaRPr lang="da-DK" dirty="0">
+              <a:latin typeface="Times New Roman" panose="02020603050405020304" pitchFamily="18" charset="0"/>
+              <a:cs typeface="Times New Roman" panose="02020603050405020304" pitchFamily="18" charset="0"/>
+            </a:endParaRPr>
+          </a:p>
+          <a:p>
+            <a:pPr lvl="1"/>
+            <a:r>
+              <a:rPr lang="da-DK" dirty="0" err="1">
+                <a:latin typeface="Times New Roman" panose="02020603050405020304" pitchFamily="18" charset="0"/>
+                <a:cs typeface="Times New Roman" panose="02020603050405020304" pitchFamily="18" charset="0"/>
+              </a:rPr>
+              <a:t>Extrapolation</a:t>
+            </a:r>
+            <a:endParaRPr lang="da-DK" dirty="0">
+              <a:latin typeface="Times New Roman" panose="02020603050405020304" pitchFamily="18" charset="0"/>
+              <a:cs typeface="Times New Roman" panose="02020603050405020304" pitchFamily="18" charset="0"/>
+            </a:endParaRPr>
+          </a:p>
+          <a:p>
+            <a:pPr marL="457200" lvl="1" indent="0">
+              <a:buNone/>
+            </a:pPr>
+            <a:endParaRPr lang="da-DK" dirty="0"/>
+          </a:p>
+        </p:txBody>
+      </p:sp>
+      <p:pic>
+        <p:nvPicPr>
+          <p:cNvPr id="5" name="Grafik 4">
+            <a:extLst>
+              <a:ext uri="{FF2B5EF4-FFF2-40B4-BE49-F238E27FC236}">
+                <a16:creationId xmlns:a16="http://schemas.microsoft.com/office/drawing/2014/main" id="{220F63F7-03E0-8A07-C6E9-6C1AEAA65311}"/>
+              </a:ext>
+            </a:extLst>
+          </p:cNvPr>
+          <p:cNvPicPr>
+            <a:picLocks noChangeAspect="1"/>
+          </p:cNvPicPr>
+          <p:nvPr/>
+        </p:nvPicPr>
+        <p:blipFill>
+          <a:blip r:embed="rId2">
+            <a:extLst>
+              <a:ext uri="{96DAC541-7B7A-43D3-8B79-37D633B846F1}">
+                <asvg:svgBlip xmlns:asvg="http://schemas.microsoft.com/office/drawing/2016/SVG/main" r:embed="rId3"/>
+              </a:ext>
+            </a:extLst>
+          </a:blip>
+          <a:stretch>
+            <a:fillRect/>
+          </a:stretch>
+        </p:blipFill>
+        <p:spPr>
+          <a:xfrm>
+            <a:off x="6735778" y="1536955"/>
+            <a:ext cx="5456222" cy="4096610"/>
+          </a:xfrm>
+          <a:prstGeom prst="rect">
+            <a:avLst/>
+          </a:prstGeom>
+        </p:spPr>
+      </p:pic>
+    </p:spTree>
+    <p:extLst>
+      <p:ext uri="{BB962C8B-B14F-4D97-AF65-F5344CB8AC3E}">
+        <p14:creationId xmlns:p14="http://schemas.microsoft.com/office/powerpoint/2010/main" val="958309877"/>
+      </p:ext>
+    </p:extLst>
+  </p:cSld>
+  <p:clrMapOvr>
+    <a:masterClrMapping/>
+  </p:clrMapOvr>
+</p:sld>
+</file>
+
+<file path=ppt/slides/slide4.xml><?xml version="1.0" encoding="utf-8"?>
+<p:sld xmlns:a="http://schemas.openxmlformats.org/drawingml/2006/main" xmlns:r="http://schemas.openxmlformats.org/officeDocument/2006/relationships" xmlns:p="http://schemas.openxmlformats.org/presentationml/2006/main">
+  <p:cSld>
+    <p:spTree>
+      <p:nvGrpSpPr>
+        <p:cNvPr id="1" name=""/>
+        <p:cNvGrpSpPr/>
+        <p:nvPr/>
+      </p:nvGrpSpPr>
+      <p:grpSpPr>
+        <a:xfrm>
+          <a:off x="0" y="0"/>
+          <a:ext cx="0" cy="0"/>
+          <a:chOff x="0" y="0"/>
+          <a:chExt cx="0" cy="0"/>
+        </a:xfrm>
+      </p:grpSpPr>
+      <p:sp>
+        <p:nvSpPr>
+          <p:cNvPr id="2" name="Titel 1">
+            <a:extLst>
+              <a:ext uri="{FF2B5EF4-FFF2-40B4-BE49-F238E27FC236}">
+                <a16:creationId xmlns:a16="http://schemas.microsoft.com/office/drawing/2014/main" id="{7B12414C-F5E6-DF40-3435-EADE0FB52086}"/>
+              </a:ext>
+            </a:extLst>
+          </p:cNvPr>
+          <p:cNvSpPr>
+            <a:spLocks noGrp="1"/>
+          </p:cNvSpPr>
+          <p:nvPr>
+            <p:ph type="title"/>
+          </p:nvPr>
+        </p:nvSpPr>
+        <p:spPr/>
+        <p:txBody>
+          <a:bodyPr/>
+          <a:lstStyle/>
+          <a:p>
+            <a:r>
+              <a:rPr lang="da-DK" dirty="0" err="1"/>
+              <a:t>Example</a:t>
+            </a:r>
+            <a:r>
+              <a:rPr lang="da-DK" dirty="0"/>
+              <a:t>: </a:t>
+            </a:r>
+            <a:r>
+              <a:rPr lang="da-DK" dirty="0" err="1"/>
+              <a:t>Classification</a:t>
+            </a:r>
+            <a:r>
+              <a:rPr lang="da-DK" dirty="0"/>
+              <a:t> </a:t>
+            </a:r>
+            <a:r>
+              <a:rPr lang="da-DK" dirty="0" err="1"/>
+              <a:t>using</a:t>
+            </a:r>
+            <a:r>
+              <a:rPr lang="da-DK" dirty="0"/>
+              <a:t> NN’</a:t>
+            </a:r>
+          </a:p>
+        </p:txBody>
+      </p:sp>
+      <p:sp>
+        <p:nvSpPr>
+          <p:cNvPr id="3" name="Pladsholder til indhold 2">
+            <a:extLst>
+              <a:ext uri="{FF2B5EF4-FFF2-40B4-BE49-F238E27FC236}">
+                <a16:creationId xmlns:a16="http://schemas.microsoft.com/office/drawing/2014/main" id="{EE9F7A55-4D60-C94D-14FF-5747F9123AE3}"/>
+              </a:ext>
+            </a:extLst>
+          </p:cNvPr>
+          <p:cNvSpPr>
+            <a:spLocks noGrp="1"/>
+          </p:cNvSpPr>
+          <p:nvPr>
+            <p:ph idx="1"/>
+          </p:nvPr>
+        </p:nvSpPr>
+        <p:spPr/>
+        <p:txBody>
+          <a:bodyPr/>
+          <a:lstStyle/>
+          <a:p>
+            <a:endParaRPr lang="da-DK"/>
+          </a:p>
+        </p:txBody>
+      </p:sp>
+    </p:spTree>
+    <p:extLst>
+      <p:ext uri="{BB962C8B-B14F-4D97-AF65-F5344CB8AC3E}">
+        <p14:creationId xmlns:p14="http://schemas.microsoft.com/office/powerpoint/2010/main" val="1416401366"/>
+      </p:ext>
+    </p:extLst>
+  </p:cSld>
+  <p:clrMapOvr>
+    <a:masterClrMapping/>
+  </p:clrMapOvr>
+</p:sld>
+</file>
+
+<file path=ppt/slides/slide5.xml><?xml version="1.0" encoding="utf-8"?>
+<p:sld xmlns:a="http://schemas.openxmlformats.org/drawingml/2006/main" xmlns:r="http://schemas.openxmlformats.org/officeDocument/2006/relationships" xmlns:p="http://schemas.openxmlformats.org/presentationml/2006/main">
+  <p:cSld>
+    <p:spTree>
+      <p:nvGrpSpPr>
+        <p:cNvPr id="1" name=""/>
+        <p:cNvGrpSpPr/>
+        <p:nvPr/>
+      </p:nvGrpSpPr>
+      <p:grpSpPr>
+        <a:xfrm>
+          <a:off x="0" y="0"/>
+          <a:ext cx="0" cy="0"/>
+          <a:chOff x="0" y="0"/>
+          <a:chExt cx="0" cy="0"/>
+        </a:xfrm>
+      </p:grpSpPr>
+      <p:sp>
+        <p:nvSpPr>
+          <p:cNvPr id="2" name="Titel 1">
+            <a:extLst>
+              <a:ext uri="{FF2B5EF4-FFF2-40B4-BE49-F238E27FC236}">
+                <a16:creationId xmlns:a16="http://schemas.microsoft.com/office/drawing/2014/main" id="{C91B1769-B04B-1B0C-EEA7-D01951D9903C}"/>
+              </a:ext>
+            </a:extLst>
+          </p:cNvPr>
+          <p:cNvSpPr>
+            <a:spLocks noGrp="1"/>
+          </p:cNvSpPr>
+          <p:nvPr>
+            <p:ph type="title"/>
+          </p:nvPr>
+        </p:nvSpPr>
+        <p:spPr/>
+        <p:txBody>
+          <a:bodyPr/>
+          <a:lstStyle/>
+          <a:p>
+            <a:r>
+              <a:rPr lang="da-DK" dirty="0"/>
+              <a:t>Is </a:t>
+            </a:r>
+            <a:r>
+              <a:rPr lang="da-DK" dirty="0" err="1"/>
+              <a:t>this</a:t>
+            </a:r>
+            <a:r>
+              <a:rPr lang="da-DK" dirty="0"/>
+              <a:t> fair?</a:t>
+            </a:r>
+          </a:p>
+        </p:txBody>
+      </p:sp>
+      <p:pic>
+        <p:nvPicPr>
+          <p:cNvPr id="5" name="Pladsholder til indhold 4">
+            <a:extLst>
+              <a:ext uri="{FF2B5EF4-FFF2-40B4-BE49-F238E27FC236}">
+                <a16:creationId xmlns:a16="http://schemas.microsoft.com/office/drawing/2014/main" id="{463C6EF8-EDE5-829B-EAFE-D027807128C4}"/>
+              </a:ext>
+            </a:extLst>
+          </p:cNvPr>
+          <p:cNvPicPr>
+            <a:picLocks noGrp="1" noChangeAspect="1"/>
+          </p:cNvPicPr>
+          <p:nvPr>
+            <p:ph idx="1"/>
+          </p:nvPr>
+        </p:nvPicPr>
+        <p:blipFill>
+          <a:blip r:embed="rId2">
+            <a:extLst>
+              <a:ext uri="{96DAC541-7B7A-43D3-8B79-37D633B846F1}">
+                <asvg:svgBlip xmlns:asvg="http://schemas.microsoft.com/office/drawing/2016/SVG/main" r:embed="rId3"/>
+              </a:ext>
+            </a:extLst>
+          </a:blip>
+          <a:stretch>
+            <a:fillRect/>
+          </a:stretch>
+        </p:blipFill>
+        <p:spPr>
+          <a:xfrm>
+            <a:off x="407406" y="1238014"/>
+            <a:ext cx="11678609" cy="5839305"/>
+          </a:xfrm>
+        </p:spPr>
+      </p:pic>
+    </p:spTree>
+    <p:extLst>
+      <p:ext uri="{BB962C8B-B14F-4D97-AF65-F5344CB8AC3E}">
+        <p14:creationId xmlns:p14="http://schemas.microsoft.com/office/powerpoint/2010/main" val="1563152300"/>
       </p:ext>
     </p:extLst>
   </p:cSld>
